--- a/Template presentation Childline.pptx
+++ b/Template presentation Childline.pptx
@@ -4727,7 +4727,7 @@
         <p:spPr>
           <a:xfrm>
             <a:off x="35496" y="2067813"/>
-            <a:ext cx="8496944" cy="2585323"/>
+            <a:ext cx="8496944" cy="2862322"/>
           </a:xfrm>
           <a:prstGeom prst="rect">
             <a:avLst/>
@@ -4788,6 +4788,16 @@
             <a:r>
               <a:rPr lang="en-GB" dirty="0" smtClean="0"/>
               <a:t>Platform</a:t>
+            </a:r>
+          </a:p>
+          <a:p>
+            <a:pPr marL="285750" indent="-285750">
+              <a:buFont typeface="Arial" panose="020B0604020202020204" pitchFamily="34" charset="0"/>
+              <a:buChar char="•"/>
+            </a:pPr>
+            <a:r>
+              <a:rPr lang="en-GB" dirty="0" smtClean="0"/>
+              <a:t>Users NOT Linked to Email addresses</a:t>
             </a:r>
           </a:p>
           <a:p>
@@ -5697,6 +5707,60 @@
       </p:grpSpPr>
       <p:pic>
         <p:nvPicPr>
+          <p:cNvPr id="6146" name="Picture 2"/>
+          <p:cNvPicPr>
+            <a:picLocks noChangeAspect="1" noChangeArrowheads="1"/>
+          </p:cNvPicPr>
+          <p:nvPr/>
+        </p:nvPicPr>
+        <p:blipFill>
+          <a:blip r:embed="rId3">
+            <a:extLst>
+              <a:ext uri="{28A0092B-C50C-407E-A947-70E740481C1C}">
+                <a14:useLocalDpi xmlns:a14="http://schemas.microsoft.com/office/drawing/2010/main" val="0"/>
+              </a:ext>
+            </a:extLst>
+          </a:blip>
+          <a:srcRect/>
+          <a:stretch>
+            <a:fillRect/>
+          </a:stretch>
+        </p:blipFill>
+        <p:spPr bwMode="auto">
+          <a:xfrm>
+            <a:off x="5862961" y="2751018"/>
+            <a:ext cx="2165423" cy="461957"/>
+          </a:xfrm>
+          <a:prstGeom prst="rect">
+            <a:avLst/>
+          </a:prstGeom>
+          <a:noFill/>
+          <a:ln>
+            <a:noFill/>
+          </a:ln>
+          <a:extLst>
+            <a:ext uri="{909E8E84-426E-40DD-AFC4-6F175D3DCCD1}">
+              <a14:hiddenFill xmlns:a14="http://schemas.microsoft.com/office/drawing/2010/main">
+                <a:solidFill>
+                  <a:schemeClr val="accent1"/>
+                </a:solidFill>
+              </a14:hiddenFill>
+            </a:ext>
+            <a:ext uri="{91240B29-F687-4F45-9708-019B960494DF}">
+              <a14:hiddenLine xmlns:a14="http://schemas.microsoft.com/office/drawing/2010/main" w="9525">
+                <a:solidFill>
+                  <a:schemeClr val="tx1"/>
+                </a:solidFill>
+                <a:miter lim="800000"/>
+                <a:headEnd/>
+                <a:tailEnd/>
+              </a14:hiddenLine>
+            </a:ext>
+          </a:extLst>
+        </p:spPr>
+      </p:pic>
+      <p:pic>
+        <p:nvPicPr>
           <p:cNvPr id="3075" name="Picture 3"/>
           <p:cNvPicPr>
             <a:picLocks noChangeAspect="1" noChangeArrowheads="1"/>
@@ -5704,7 +5768,7 @@
           <p:nvPr/>
         </p:nvPicPr>
         <p:blipFill>
-          <a:blip r:embed="rId3" cstate="print">
+          <a:blip r:embed="rId4" cstate="print">
             <a:extLst>
               <a:ext uri="{28A0092B-C50C-407E-A947-70E740481C1C}">
                 <a14:useLocalDpi xmlns:a14="http://schemas.microsoft.com/office/drawing/2010/main" val="0"/>
@@ -5904,7 +5968,7 @@
           <p:nvPr/>
         </p:nvPicPr>
         <p:blipFill>
-          <a:blip r:embed="rId4">
+          <a:blip r:embed="rId5">
             <a:extLst>
               <a:ext uri="{28A0092B-C50C-407E-A947-70E740481C1C}">
                 <a14:useLocalDpi xmlns:a14="http://schemas.microsoft.com/office/drawing/2010/main" val="0"/>
@@ -5985,13 +6049,13 @@
           <a:p>
             <a:r>
               <a:rPr lang="en-GB" dirty="0">
-                <a:hlinkClick r:id="rId5"/>
+                <a:hlinkClick r:id="rId6"/>
               </a:rPr>
               <a:t/>
             </a:r>
             <a:br>
               <a:rPr lang="en-GB" dirty="0">
-                <a:hlinkClick r:id="rId5"/>
+                <a:hlinkClick r:id="rId6"/>
               </a:rPr>
             </a:br>
             <a:endParaRPr lang="en-GB" dirty="0"/>
@@ -6032,13 +6096,13 @@
           <a:p>
             <a:r>
               <a:rPr lang="en-GB" dirty="0">
-                <a:hlinkClick r:id="rId5"/>
+                <a:hlinkClick r:id="rId6"/>
               </a:rPr>
               <a:t/>
             </a:r>
             <a:br>
               <a:rPr lang="en-GB" dirty="0">
-                <a:hlinkClick r:id="rId5"/>
+                <a:hlinkClick r:id="rId6"/>
               </a:rPr>
             </a:br>
             <a:endParaRPr lang="en-GB" dirty="0"/>
@@ -6341,7 +6405,7 @@
       <p:pic>
         <p:nvPicPr>
           <p:cNvPr id="10" name="Picture 9">
-            <a:hlinkClick r:id="rId6"/>
+            <a:hlinkClick r:id="rId7"/>
           </p:cNvPr>
           <p:cNvPicPr>
             <a:picLocks noChangeAspect="1"/>
@@ -6349,11 +6413,11 @@
           <p:nvPr/>
         </p:nvPicPr>
         <p:blipFill>
-          <a:blip r:embed="rId7">
+          <a:blip r:embed="rId8">
             <a:extLst>
               <a:ext uri="{BEBA8EAE-BF5A-486C-A8C5-ECC9F3942E4B}">
                 <a14:imgProps xmlns:a14="http://schemas.microsoft.com/office/drawing/2010/main">
-                  <a14:imgLayer r:embed="rId8">
+                  <a14:imgLayer r:embed="rId9">
                     <a14:imgEffect>
                       <a14:backgroundRemoval t="9692" b="89868" l="3194" r="96407">
                         <a14:foregroundMark x1="14770" y1="32159" x2="14770" y2="32159"/>
@@ -6411,11 +6475,11 @@
           <p:nvPr/>
         </p:nvPicPr>
         <p:blipFill>
-          <a:blip r:embed="rId9" cstate="print">
+          <a:blip r:embed="rId10" cstate="print">
             <a:extLst>
               <a:ext uri="{BEBA8EAE-BF5A-486C-A8C5-ECC9F3942E4B}">
                 <a14:imgProps xmlns:a14="http://schemas.microsoft.com/office/drawing/2010/main">
-                  <a14:imgLayer r:embed="rId10">
+                  <a14:imgLayer r:embed="rId11">
                     <a14:imgEffect>
                       <a14:backgroundRemoval t="9884" b="94477" l="667" r="99333"/>
                     </a14:imgEffect>
